--- a/minha_apresentacao.pptx
+++ b/minha_apresentacao.pptx
@@ -218,7 +218,7 @@
           <a:p>
             <a:fld id="{A157960C-F65F-4E98-A01F-114F14A55331}" type="datetimeFigureOut">
               <a:rPr lang="pt-BR" smtClean="0"/>
-              <a:t>18/02/2025</a:t>
+              <a:t>19/02/2025</a:t>
             </a:fld>
             <a:endParaRPr lang="pt-BR"/>
           </a:p>
@@ -748,7 +748,7 @@
           <a:p>
             <a:fld id="{5BCAD085-E8A6-8845-BD4E-CB4CCA059FC4}" type="datetimeFigureOut">
               <a:rPr lang="en-US" smtClean="0"/>
-              <a:t>2/18/2025</a:t>
+              <a:t>2/19/2025</a:t>
             </a:fld>
             <a:endParaRPr lang="en-US"/>
           </a:p>
@@ -969,7 +969,7 @@
           <a:p>
             <a:fld id="{5BCAD085-E8A6-8845-BD4E-CB4CCA059FC4}" type="datetimeFigureOut">
               <a:rPr lang="en-US" smtClean="0"/>
-              <a:t>2/18/2025</a:t>
+              <a:t>2/19/2025</a:t>
             </a:fld>
             <a:endParaRPr lang="en-US"/>
           </a:p>
@@ -1147,7 +1147,7 @@
           <a:p>
             <a:fld id="{5BCAD085-E8A6-8845-BD4E-CB4CCA059FC4}" type="datetimeFigureOut">
               <a:rPr lang="en-US" smtClean="0"/>
-              <a:t>2/18/2025</a:t>
+              <a:t>2/19/2025</a:t>
             </a:fld>
             <a:endParaRPr lang="en-US"/>
           </a:p>
@@ -1315,7 +1315,7 @@
           <a:p>
             <a:fld id="{5BCAD085-E8A6-8845-BD4E-CB4CCA059FC4}" type="datetimeFigureOut">
               <a:rPr lang="en-US" smtClean="0"/>
-              <a:t>2/18/2025</a:t>
+              <a:t>2/19/2025</a:t>
             </a:fld>
             <a:endParaRPr lang="en-US"/>
           </a:p>
@@ -1560,7 +1560,7 @@
           <a:p>
             <a:fld id="{5BCAD085-E8A6-8845-BD4E-CB4CCA059FC4}" type="datetimeFigureOut">
               <a:rPr lang="en-US" smtClean="0"/>
-              <a:t>2/18/2025</a:t>
+              <a:t>2/19/2025</a:t>
             </a:fld>
             <a:endParaRPr lang="en-US"/>
           </a:p>
@@ -1845,7 +1845,7 @@
           <a:p>
             <a:fld id="{5BCAD085-E8A6-8845-BD4E-CB4CCA059FC4}" type="datetimeFigureOut">
               <a:rPr lang="en-US" smtClean="0"/>
-              <a:t>2/18/2025</a:t>
+              <a:t>2/19/2025</a:t>
             </a:fld>
             <a:endParaRPr lang="en-US"/>
           </a:p>
@@ -2264,7 +2264,7 @@
           <a:p>
             <a:fld id="{5BCAD085-E8A6-8845-BD4E-CB4CCA059FC4}" type="datetimeFigureOut">
               <a:rPr lang="en-US" smtClean="0"/>
-              <a:t>2/18/2025</a:t>
+              <a:t>2/19/2025</a:t>
             </a:fld>
             <a:endParaRPr lang="en-US"/>
           </a:p>
@@ -2381,7 +2381,7 @@
           <a:p>
             <a:fld id="{5BCAD085-E8A6-8845-BD4E-CB4CCA059FC4}" type="datetimeFigureOut">
               <a:rPr lang="en-US" smtClean="0"/>
-              <a:t>2/18/2025</a:t>
+              <a:t>2/19/2025</a:t>
             </a:fld>
             <a:endParaRPr lang="en-US"/>
           </a:p>
@@ -2476,7 +2476,7 @@
           <a:p>
             <a:fld id="{5BCAD085-E8A6-8845-BD4E-CB4CCA059FC4}" type="datetimeFigureOut">
               <a:rPr lang="en-US" smtClean="0"/>
-              <a:t>2/18/2025</a:t>
+              <a:t>2/19/2025</a:t>
             </a:fld>
             <a:endParaRPr lang="en-US"/>
           </a:p>
@@ -2751,7 +2751,7 @@
           <a:p>
             <a:fld id="{5BCAD085-E8A6-8845-BD4E-CB4CCA059FC4}" type="datetimeFigureOut">
               <a:rPr lang="en-US" smtClean="0"/>
-              <a:t>2/18/2025</a:t>
+              <a:t>2/19/2025</a:t>
             </a:fld>
             <a:endParaRPr lang="en-US"/>
           </a:p>
@@ -3003,7 +3003,7 @@
           <a:p>
             <a:fld id="{5BCAD085-E8A6-8845-BD4E-CB4CCA059FC4}" type="datetimeFigureOut">
               <a:rPr lang="en-US" smtClean="0"/>
-              <a:t>2/18/2025</a:t>
+              <a:t>2/19/2025</a:t>
             </a:fld>
             <a:endParaRPr lang="en-US"/>
           </a:p>
@@ -3214,7 +3214,7 @@
           <a:p>
             <a:fld id="{5BCAD085-E8A6-8845-BD4E-CB4CCA059FC4}" type="datetimeFigureOut">
               <a:rPr lang="en-US" smtClean="0"/>
-              <a:t>2/18/2025</a:t>
+              <a:t>2/19/2025</a:t>
             </a:fld>
             <a:endParaRPr lang="en-US"/>
           </a:p>
@@ -4709,6 +4709,42 @@
           <a:lstStyle/>
           <a:p>
             <a:endParaRPr lang="pt-BR"/>
+          </a:p>
+        </p:txBody>
+      </p:sp>
+      <p:sp>
+        <p:nvSpPr>
+          <p:cNvPr id="8" name="texto4">
+            <a:extLst>
+              <a:ext uri="{FF2B5EF4-FFF2-40B4-BE49-F238E27FC236}">
+                <a16:creationId xmlns:a16="http://schemas.microsoft.com/office/drawing/2014/main" id="{2B7D7E1A-4D4C-E61E-5664-EE9FE597F36F}"/>
+              </a:ext>
+            </a:extLst>
+          </p:cNvPr>
+          <p:cNvSpPr txBox="1"/>
+          <p:nvPr/>
+        </p:nvSpPr>
+        <p:spPr>
+          <a:xfrm>
+            <a:off x="2818721" y="10943704"/>
+            <a:ext cx="3506558" cy="307777"/>
+          </a:xfrm>
+          <a:prstGeom prst="rect">
+            <a:avLst/>
+          </a:prstGeom>
+          <a:noFill/>
+        </p:spPr>
+        <p:txBody>
+          <a:bodyPr wrap="square" rtlCol="0">
+            <a:spAutoFit/>
+          </a:bodyPr>
+          <a:lstStyle/>
+          <a:p>
+            <a:pPr algn="ctr"/>
+            <a:r>
+              <a:rPr lang="pt-BR" sz="1400" dirty="0"/>
+              <a:t>texto4</a:t>
+            </a:r>
           </a:p>
         </p:txBody>
       </p:sp>

--- a/minha_apresentacao.pptx
+++ b/minha_apresentacao.pptx
@@ -218,7 +218,7 @@
           <a:p>
             <a:fld id="{A157960C-F65F-4E98-A01F-114F14A55331}" type="datetimeFigureOut">
               <a:rPr lang="pt-BR" smtClean="0"/>
-              <a:t>19/02/2025</a:t>
+              <a:t>20/02/2025</a:t>
             </a:fld>
             <a:endParaRPr lang="pt-BR"/>
           </a:p>
@@ -748,7 +748,7 @@
           <a:p>
             <a:fld id="{5BCAD085-E8A6-8845-BD4E-CB4CCA059FC4}" type="datetimeFigureOut">
               <a:rPr lang="en-US" smtClean="0"/>
-              <a:t>2/19/2025</a:t>
+              <a:t>2/20/2025</a:t>
             </a:fld>
             <a:endParaRPr lang="en-US"/>
           </a:p>
@@ -969,7 +969,7 @@
           <a:p>
             <a:fld id="{5BCAD085-E8A6-8845-BD4E-CB4CCA059FC4}" type="datetimeFigureOut">
               <a:rPr lang="en-US" smtClean="0"/>
-              <a:t>2/19/2025</a:t>
+              <a:t>2/20/2025</a:t>
             </a:fld>
             <a:endParaRPr lang="en-US"/>
           </a:p>
@@ -1147,7 +1147,7 @@
           <a:p>
             <a:fld id="{5BCAD085-E8A6-8845-BD4E-CB4CCA059FC4}" type="datetimeFigureOut">
               <a:rPr lang="en-US" smtClean="0"/>
-              <a:t>2/19/2025</a:t>
+              <a:t>2/20/2025</a:t>
             </a:fld>
             <a:endParaRPr lang="en-US"/>
           </a:p>
@@ -1315,7 +1315,7 @@
           <a:p>
             <a:fld id="{5BCAD085-E8A6-8845-BD4E-CB4CCA059FC4}" type="datetimeFigureOut">
               <a:rPr lang="en-US" smtClean="0"/>
-              <a:t>2/19/2025</a:t>
+              <a:t>2/20/2025</a:t>
             </a:fld>
             <a:endParaRPr lang="en-US"/>
           </a:p>
@@ -1560,7 +1560,7 @@
           <a:p>
             <a:fld id="{5BCAD085-E8A6-8845-BD4E-CB4CCA059FC4}" type="datetimeFigureOut">
               <a:rPr lang="en-US" smtClean="0"/>
-              <a:t>2/19/2025</a:t>
+              <a:t>2/20/2025</a:t>
             </a:fld>
             <a:endParaRPr lang="en-US"/>
           </a:p>
@@ -1845,7 +1845,7 @@
           <a:p>
             <a:fld id="{5BCAD085-E8A6-8845-BD4E-CB4CCA059FC4}" type="datetimeFigureOut">
               <a:rPr lang="en-US" smtClean="0"/>
-              <a:t>2/19/2025</a:t>
+              <a:t>2/20/2025</a:t>
             </a:fld>
             <a:endParaRPr lang="en-US"/>
           </a:p>
@@ -2264,7 +2264,7 @@
           <a:p>
             <a:fld id="{5BCAD085-E8A6-8845-BD4E-CB4CCA059FC4}" type="datetimeFigureOut">
               <a:rPr lang="en-US" smtClean="0"/>
-              <a:t>2/19/2025</a:t>
+              <a:t>2/20/2025</a:t>
             </a:fld>
             <a:endParaRPr lang="en-US"/>
           </a:p>
@@ -2381,7 +2381,7 @@
           <a:p>
             <a:fld id="{5BCAD085-E8A6-8845-BD4E-CB4CCA059FC4}" type="datetimeFigureOut">
               <a:rPr lang="en-US" smtClean="0"/>
-              <a:t>2/19/2025</a:t>
+              <a:t>2/20/2025</a:t>
             </a:fld>
             <a:endParaRPr lang="en-US"/>
           </a:p>
@@ -2476,7 +2476,7 @@
           <a:p>
             <a:fld id="{5BCAD085-E8A6-8845-BD4E-CB4CCA059FC4}" type="datetimeFigureOut">
               <a:rPr lang="en-US" smtClean="0"/>
-              <a:t>2/19/2025</a:t>
+              <a:t>2/20/2025</a:t>
             </a:fld>
             <a:endParaRPr lang="en-US"/>
           </a:p>
@@ -2751,7 +2751,7 @@
           <a:p>
             <a:fld id="{5BCAD085-E8A6-8845-BD4E-CB4CCA059FC4}" type="datetimeFigureOut">
               <a:rPr lang="en-US" smtClean="0"/>
-              <a:t>2/19/2025</a:t>
+              <a:t>2/20/2025</a:t>
             </a:fld>
             <a:endParaRPr lang="en-US"/>
           </a:p>
@@ -3003,7 +3003,7 @@
           <a:p>
             <a:fld id="{5BCAD085-E8A6-8845-BD4E-CB4CCA059FC4}" type="datetimeFigureOut">
               <a:rPr lang="en-US" smtClean="0"/>
-              <a:t>2/19/2025</a:t>
+              <a:t>2/20/2025</a:t>
             </a:fld>
             <a:endParaRPr lang="en-US"/>
           </a:p>
@@ -3214,7 +3214,7 @@
           <a:p>
             <a:fld id="{5BCAD085-E8A6-8845-BD4E-CB4CCA059FC4}" type="datetimeFigureOut">
               <a:rPr lang="en-US" smtClean="0"/>
-              <a:t>2/19/2025</a:t>
+              <a:t>2/20/2025</a:t>
             </a:fld>
             <a:endParaRPr lang="en-US"/>
           </a:p>
@@ -3652,6 +3652,36 @@
           </a:extLst>
         </p:spPr>
       </p:pic>
+      <p:pic>
+        <p:nvPicPr>
+          <p:cNvPr id="40" name="Imagem 39" descr="Uma imagem contendo objeto, computer, abajur, computador&#10;&#10;O conteúdo gerado por IA pode estar incorreto.">
+            <a:extLst>
+              <a:ext uri="{FF2B5EF4-FFF2-40B4-BE49-F238E27FC236}">
+                <a16:creationId xmlns:a16="http://schemas.microsoft.com/office/drawing/2014/main" id="{4E2AACC2-8EF5-4208-8601-6238B6BD7AA3}"/>
+              </a:ext>
+            </a:extLst>
+          </p:cNvPr>
+          <p:cNvPicPr>
+            <a:picLocks noGrp="1" noRot="1" noChangeAspect="1" noMove="1" noResize="1" noEditPoints="1" noAdjustHandles="1" noChangeArrowheads="1" noChangeShapeType="1" noCrop="1"/>
+          </p:cNvPicPr>
+          <p:nvPr/>
+        </p:nvPicPr>
+        <p:blipFill>
+          <a:blip r:embed="rId4"/>
+          <a:stretch>
+            <a:fillRect/>
+          </a:stretch>
+        </p:blipFill>
+        <p:spPr>
+          <a:xfrm rot="11505801">
+            <a:off x="5157660" y="1049776"/>
+            <a:ext cx="6407177" cy="16017943"/>
+          </a:xfrm>
+          <a:prstGeom prst="rect">
+            <a:avLst/>
+          </a:prstGeom>
+        </p:spPr>
+      </p:pic>
       <p:sp>
         <p:nvSpPr>
           <p:cNvPr id="2" name="Title 1"/>
@@ -3721,55 +3751,6 @@
               <a:t>Apresentação</a:t>
             </a:r>
             <a:endParaRPr dirty="0"/>
-          </a:p>
-        </p:txBody>
-      </p:sp>
-      <p:sp>
-        <p:nvSpPr>
-          <p:cNvPr id="7" name="Retângulo: Cantos Arredondados 6">
-            <a:extLst>
-              <a:ext uri="{FF2B5EF4-FFF2-40B4-BE49-F238E27FC236}">
-                <a16:creationId xmlns:a16="http://schemas.microsoft.com/office/drawing/2014/main" id="{A56FFAF1-1A60-BB84-C549-AD80D57586AD}"/>
-              </a:ext>
-            </a:extLst>
-          </p:cNvPr>
-          <p:cNvSpPr>
-            <a:spLocks/>
-          </p:cNvSpPr>
-          <p:nvPr/>
-        </p:nvSpPr>
-        <p:spPr>
-          <a:xfrm>
-            <a:off x="1190943" y="1044993"/>
-            <a:ext cx="6835140" cy="12728606"/>
-          </a:xfrm>
-          <a:prstGeom prst="roundRect">
-            <a:avLst/>
-          </a:prstGeom>
-          <a:solidFill>
-            <a:schemeClr val="bg2"/>
-          </a:solidFill>
-        </p:spPr>
-        <p:style>
-          <a:lnRef idx="1">
-            <a:schemeClr val="accent1"/>
-          </a:lnRef>
-          <a:fillRef idx="3">
-            <a:schemeClr val="accent1"/>
-          </a:fillRef>
-          <a:effectRef idx="2">
-            <a:schemeClr val="accent1"/>
-          </a:effectRef>
-          <a:fontRef idx="minor">
-            <a:schemeClr val="lt1"/>
-          </a:fontRef>
-        </p:style>
-        <p:txBody>
-          <a:bodyPr rtlCol="0" anchor="ctr"/>
-          <a:lstStyle/>
-          <a:p>
-            <a:pPr algn="ctr"/>
-            <a:endParaRPr lang="pt-BR"/>
           </a:p>
         </p:txBody>
       </p:sp>
@@ -4080,6 +4061,138 @@
           </p:style>
         </p:cxnSp>
       </p:grpSp>
+      <p:pic>
+        <p:nvPicPr>
+          <p:cNvPr id="39" name="Imagem 38" descr="Uma imagem contendo objeto, computer, abajur, computador&#10;&#10;O conteúdo gerado por IA pode estar incorreto.">
+            <a:extLst>
+              <a:ext uri="{FF2B5EF4-FFF2-40B4-BE49-F238E27FC236}">
+                <a16:creationId xmlns:a16="http://schemas.microsoft.com/office/drawing/2014/main" id="{D13718E9-CFA3-4202-7170-BFA29B4E02AA}"/>
+              </a:ext>
+            </a:extLst>
+          </p:cNvPr>
+          <p:cNvPicPr>
+            <a:picLocks noGrp="1" noRot="1" noChangeAspect="1" noMove="1" noResize="1" noEditPoints="1" noAdjustHandles="1" noChangeArrowheads="1" noChangeShapeType="1" noCrop="1"/>
+          </p:cNvPicPr>
+          <p:nvPr/>
+        </p:nvPicPr>
+        <p:blipFill>
+          <a:blip r:embed="rId4"/>
+          <a:stretch>
+            <a:fillRect/>
+          </a:stretch>
+        </p:blipFill>
+        <p:spPr>
+          <a:xfrm rot="473593">
+            <a:off x="-1053250" y="-141229"/>
+            <a:ext cx="6407177" cy="16017943"/>
+          </a:xfrm>
+          <a:prstGeom prst="rect">
+            <a:avLst/>
+          </a:prstGeom>
+        </p:spPr>
+      </p:pic>
+      <p:sp>
+        <p:nvSpPr>
+          <p:cNvPr id="33" name="Nuvem 32">
+            <a:extLst>
+              <a:ext uri="{FF2B5EF4-FFF2-40B4-BE49-F238E27FC236}">
+                <a16:creationId xmlns:a16="http://schemas.microsoft.com/office/drawing/2014/main" id="{9D6E8B93-5D39-BA24-D45E-BDFD85A38D0A}"/>
+              </a:ext>
+            </a:extLst>
+          </p:cNvPr>
+          <p:cNvSpPr/>
+          <p:nvPr/>
+        </p:nvSpPr>
+        <p:spPr>
+          <a:xfrm flipV="1">
+            <a:off x="-272307" y="3077920"/>
+            <a:ext cx="2387069" cy="1516268"/>
+          </a:xfrm>
+          <a:prstGeom prst="cloud">
+            <a:avLst/>
+          </a:prstGeom>
+          <a:solidFill>
+            <a:schemeClr val="bg1"/>
+          </a:solidFill>
+          <a:ln>
+            <a:solidFill>
+              <a:schemeClr val="tx1"/>
+            </a:solidFill>
+          </a:ln>
+        </p:spPr>
+        <p:style>
+          <a:lnRef idx="1">
+            <a:schemeClr val="accent1"/>
+          </a:lnRef>
+          <a:fillRef idx="3">
+            <a:schemeClr val="accent1"/>
+          </a:fillRef>
+          <a:effectRef idx="2">
+            <a:schemeClr val="accent1"/>
+          </a:effectRef>
+          <a:fontRef idx="minor">
+            <a:schemeClr val="lt1"/>
+          </a:fontRef>
+        </p:style>
+        <p:txBody>
+          <a:bodyPr rtlCol="0" anchor="ctr"/>
+          <a:lstStyle/>
+          <a:p>
+            <a:pPr algn="ctr"/>
+            <a:endParaRPr lang="pt-BR" sz="3600"/>
+          </a:p>
+        </p:txBody>
+      </p:sp>
+      <p:sp>
+        <p:nvSpPr>
+          <p:cNvPr id="7" name="Retângulo: Cantos Arredondados 6">
+            <a:extLst>
+              <a:ext uri="{FF2B5EF4-FFF2-40B4-BE49-F238E27FC236}">
+                <a16:creationId xmlns:a16="http://schemas.microsoft.com/office/drawing/2014/main" id="{A56FFAF1-1A60-BB84-C549-AD80D57586AD}"/>
+              </a:ext>
+            </a:extLst>
+          </p:cNvPr>
+          <p:cNvSpPr>
+            <a:spLocks/>
+          </p:cNvSpPr>
+          <p:nvPr/>
+        </p:nvSpPr>
+        <p:spPr>
+          <a:xfrm>
+            <a:off x="1190943" y="715447"/>
+            <a:ext cx="6835140" cy="13058152"/>
+          </a:xfrm>
+          <a:prstGeom prst="roundRect">
+            <a:avLst/>
+          </a:prstGeom>
+          <a:solidFill>
+            <a:schemeClr val="bg2"/>
+          </a:solidFill>
+          <a:ln w="3175"/>
+        </p:spPr>
+        <p:style>
+          <a:lnRef idx="1">
+            <a:schemeClr val="accent1"/>
+          </a:lnRef>
+          <a:fillRef idx="3">
+            <a:schemeClr val="accent1"/>
+          </a:fillRef>
+          <a:effectRef idx="2">
+            <a:schemeClr val="accent1"/>
+          </a:effectRef>
+          <a:fontRef idx="minor">
+            <a:schemeClr val="lt1"/>
+          </a:fontRef>
+        </p:style>
+        <p:txBody>
+          <a:bodyPr rtlCol="0" anchor="ctr"/>
+          <a:lstStyle/>
+          <a:p>
+            <a:pPr algn="ctr"/>
+            <a:endParaRPr lang="pt-BR" dirty="0"/>
+          </a:p>
+        </p:txBody>
+      </p:sp>
       <p:sp>
         <p:nvSpPr>
           <p:cNvPr id="27" name="Rectangle 3">
@@ -4291,7 +4404,7 @@
           <p:nvPr/>
         </p:nvPicPr>
         <p:blipFill>
-          <a:blip r:embed="rId4"/>
+          <a:blip r:embed="rId5"/>
           <a:stretch>
             <a:fillRect/>
           </a:stretch>
@@ -4355,7 +4468,7 @@
         </p:nvSpPr>
         <p:spPr>
           <a:xfrm>
-            <a:off x="1264243" y="6443732"/>
+            <a:off x="1264243" y="6202432"/>
             <a:ext cx="6470359" cy="1746250"/>
           </a:xfrm>
           <a:prstGeom prst="roundRect">
@@ -4413,7 +4526,7 @@
         </p:nvSpPr>
         <p:spPr>
           <a:xfrm>
-            <a:off x="1387257" y="6532739"/>
+            <a:off x="1387257" y="6291439"/>
             <a:ext cx="5016138" cy="307777"/>
           </a:xfrm>
           <a:prstGeom prst="rect">
@@ -4448,7 +4561,7 @@
         </p:nvSpPr>
         <p:spPr>
           <a:xfrm>
-            <a:off x="1336820" y="8772089"/>
+            <a:off x="1336820" y="8414593"/>
             <a:ext cx="6470359" cy="1746250"/>
           </a:xfrm>
           <a:prstGeom prst="roundRect">
@@ -4507,14 +4620,14 @@
           <p:nvPr/>
         </p:nvPicPr>
         <p:blipFill>
-          <a:blip r:embed="rId4"/>
+          <a:blip r:embed="rId5"/>
           <a:stretch>
             <a:fillRect/>
           </a:stretch>
         </p:blipFill>
         <p:spPr>
           <a:xfrm>
-            <a:off x="6655389" y="6044559"/>
+            <a:off x="6655389" y="5803259"/>
             <a:ext cx="1098112" cy="2205032"/>
           </a:xfrm>
           <a:prstGeom prst="rect">
@@ -4537,14 +4650,14 @@
           <p:nvPr/>
         </p:nvPicPr>
         <p:blipFill>
-          <a:blip r:embed="rId4"/>
+          <a:blip r:embed="rId5"/>
           <a:stretch>
             <a:fillRect/>
           </a:stretch>
         </p:blipFill>
         <p:spPr>
           <a:xfrm>
-            <a:off x="1292296" y="8421118"/>
+            <a:off x="1292296" y="8063622"/>
             <a:ext cx="1098112" cy="2205032"/>
           </a:xfrm>
           <a:prstGeom prst="rect">
@@ -4566,7 +4679,7 @@
         </p:nvSpPr>
         <p:spPr>
           <a:xfrm>
-            <a:off x="2417029" y="8871211"/>
+            <a:off x="2417029" y="8513715"/>
             <a:ext cx="5016138" cy="307777"/>
           </a:xfrm>
           <a:prstGeom prst="rect">
@@ -4587,6 +4700,35 @@
           </a:p>
         </p:txBody>
       </p:sp>
+      <p:pic>
+        <p:nvPicPr>
+          <p:cNvPr id="35" name="Imagem 34" descr="Ícone">
+            <a:extLst>
+              <a:ext uri="{FF2B5EF4-FFF2-40B4-BE49-F238E27FC236}">
+                <a16:creationId xmlns:a16="http://schemas.microsoft.com/office/drawing/2014/main" id="{370AE103-0669-E0E8-224F-9EBE0D57C9CB}"/>
+              </a:ext>
+            </a:extLst>
+          </p:cNvPr>
+          <p:cNvPicPr>
+            <a:picLocks noChangeAspect="1"/>
+          </p:cNvPicPr>
+          <p:nvPr/>
+        </p:nvPicPr>
+        <p:blipFill>
+          <a:blip r:embed="rId6"/>
+          <a:srcRect t="25621" b="46178"/>
+          <a:stretch/>
+        </p:blipFill>
+        <p:spPr>
+          <a:xfrm>
+            <a:off x="3394341" y="10966472"/>
+            <a:ext cx="2428343" cy="1712065"/>
+          </a:xfrm>
+          <a:prstGeom prst="rect">
+            <a:avLst/>
+          </a:prstGeom>
+        </p:spPr>
+      </p:pic>
       <p:sp>
         <p:nvSpPr>
           <p:cNvPr id="17" name="Retângulo: Cantos Arredondados 16">
@@ -4726,7 +4868,7 @@
         </p:nvSpPr>
         <p:spPr>
           <a:xfrm>
-            <a:off x="2818721" y="10943704"/>
+            <a:off x="2805073" y="10653526"/>
             <a:ext cx="3506558" cy="307777"/>
           </a:xfrm>
           <a:prstGeom prst="rect">
@@ -4748,6 +4890,435 @@
           </a:p>
         </p:txBody>
       </p:sp>
+      <p:pic>
+        <p:nvPicPr>
+          <p:cNvPr id="23" name="Imagem 22" descr="Logotipo&#10;&#10;O conteúdo gerado por IA pode estar incorreto.">
+            <a:extLst>
+              <a:ext uri="{FF2B5EF4-FFF2-40B4-BE49-F238E27FC236}">
+                <a16:creationId xmlns:a16="http://schemas.microsoft.com/office/drawing/2014/main" id="{195AD9DD-DDDD-3B69-9F7D-5D48D1F29CF8}"/>
+              </a:ext>
+            </a:extLst>
+          </p:cNvPr>
+          <p:cNvPicPr>
+            <a:picLocks noChangeAspect="1"/>
+          </p:cNvPicPr>
+          <p:nvPr/>
+        </p:nvPicPr>
+        <p:blipFill>
+          <a:blip r:embed="rId7"/>
+          <a:srcRect t="29466" b="29666"/>
+          <a:stretch/>
+        </p:blipFill>
+        <p:spPr>
+          <a:xfrm>
+            <a:off x="3625759" y="721022"/>
+            <a:ext cx="1892483" cy="1933558"/>
+          </a:xfrm>
+          <a:prstGeom prst="rect">
+            <a:avLst/>
+          </a:prstGeom>
+        </p:spPr>
+      </p:pic>
+      <p:grpSp>
+        <p:nvGrpSpPr>
+          <p:cNvPr id="25" name="Agrupar 24">
+            <a:extLst>
+              <a:ext uri="{FF2B5EF4-FFF2-40B4-BE49-F238E27FC236}">
+                <a16:creationId xmlns:a16="http://schemas.microsoft.com/office/drawing/2014/main" id="{A9AC34B1-DE24-0EFE-3D89-4B8F62F07415}"/>
+              </a:ext>
+            </a:extLst>
+          </p:cNvPr>
+          <p:cNvGrpSpPr/>
+          <p:nvPr/>
+        </p:nvGrpSpPr>
+        <p:grpSpPr>
+          <a:xfrm>
+            <a:off x="2714767" y="2714949"/>
+            <a:ext cx="4356448" cy="1203956"/>
+            <a:chOff x="3013945" y="2633994"/>
+            <a:chExt cx="4257750" cy="1257268"/>
+          </a:xfrm>
+        </p:grpSpPr>
+        <p:sp>
+          <p:nvSpPr>
+            <p:cNvPr id="11" name="CaixaDeTexto 10">
+              <a:extLst>
+                <a:ext uri="{FF2B5EF4-FFF2-40B4-BE49-F238E27FC236}">
+                  <a16:creationId xmlns:a16="http://schemas.microsoft.com/office/drawing/2014/main" id="{7572CC4D-AA57-F44F-0FDF-F81943215E65}"/>
+                </a:ext>
+              </a:extLst>
+            </p:cNvPr>
+            <p:cNvSpPr txBox="1"/>
+            <p:nvPr/>
+          </p:nvSpPr>
+          <p:spPr>
+            <a:xfrm>
+              <a:off x="3013945" y="2633994"/>
+              <a:ext cx="4257750" cy="867794"/>
+            </a:xfrm>
+            <a:prstGeom prst="rect">
+              <a:avLst/>
+            </a:prstGeom>
+            <a:noFill/>
+            <a:ln>
+              <a:noFill/>
+            </a:ln>
+          </p:spPr>
+          <p:txBody>
+            <a:bodyPr wrap="square" rtlCol="0">
+              <a:spAutoFit/>
+            </a:bodyPr>
+            <a:lstStyle/>
+            <a:p>
+              <a:r>
+                <a:rPr lang="pt-BR" sz="4800" dirty="0">
+                  <a:solidFill>
+                    <a:srgbClr val="628545"/>
+                  </a:solidFill>
+                  <a:latin typeface="Aharoni" panose="020F0502020204030204" pitchFamily="2" charset="-79"/>
+                  <a:cs typeface="Aharoni" panose="020F0502020204030204" pitchFamily="2" charset="-79"/>
+                </a:rPr>
+                <a:t>INDICAÇÕES</a:t>
+              </a:r>
+            </a:p>
+          </p:txBody>
+        </p:sp>
+        <p:sp>
+          <p:nvSpPr>
+            <p:cNvPr id="24" name="CaixaDeTexto 23">
+              <a:extLst>
+                <a:ext uri="{FF2B5EF4-FFF2-40B4-BE49-F238E27FC236}">
+                  <a16:creationId xmlns:a16="http://schemas.microsoft.com/office/drawing/2014/main" id="{3FBFAC6A-B386-5BA0-B585-3C5A083C496E}"/>
+                </a:ext>
+              </a:extLst>
+            </p:cNvPr>
+            <p:cNvSpPr txBox="1"/>
+            <p:nvPr/>
+          </p:nvSpPr>
+          <p:spPr>
+            <a:xfrm>
+              <a:off x="5075716" y="3409154"/>
+              <a:ext cx="2158299" cy="482108"/>
+            </a:xfrm>
+            <a:prstGeom prst="rect">
+              <a:avLst/>
+            </a:prstGeom>
+            <a:noFill/>
+          </p:spPr>
+          <p:txBody>
+            <a:bodyPr wrap="square" rtlCol="0">
+              <a:spAutoFit/>
+            </a:bodyPr>
+            <a:lstStyle/>
+            <a:p>
+              <a:r>
+                <a:rPr lang="pt-BR" sz="2400" dirty="0">
+                  <a:solidFill>
+                    <a:srgbClr val="92B45D"/>
+                  </a:solidFill>
+                  <a:latin typeface="Mystical Woods Rough Script" panose="020F0502020204030204" pitchFamily="2" charset="0"/>
+                  <a:cs typeface="Forte Forward" panose="020F0502020204030204" pitchFamily="2" charset="0"/>
+                </a:rPr>
+                <a:t>da semana</a:t>
+              </a:r>
+            </a:p>
+          </p:txBody>
+        </p:sp>
+      </p:grpSp>
+      <p:pic>
+        <p:nvPicPr>
+          <p:cNvPr id="32" name="Imagem 31" descr="Uma imagem contendo Logotipo&#10;&#10;O conteúdo gerado por IA pode estar incorreto.">
+            <a:extLst>
+              <a:ext uri="{FF2B5EF4-FFF2-40B4-BE49-F238E27FC236}">
+                <a16:creationId xmlns:a16="http://schemas.microsoft.com/office/drawing/2014/main" id="{6FD8EA7F-E0D7-F21E-1756-B0275CF4E160}"/>
+              </a:ext>
+            </a:extLst>
+          </p:cNvPr>
+          <p:cNvPicPr>
+            <a:picLocks noChangeAspect="1"/>
+          </p:cNvPicPr>
+          <p:nvPr/>
+        </p:nvPicPr>
+        <p:blipFill>
+          <a:blip r:embed="rId8"/>
+          <a:stretch>
+            <a:fillRect/>
+          </a:stretch>
+        </p:blipFill>
+        <p:spPr>
+          <a:xfrm rot="16200000">
+            <a:off x="3997507" y="10958396"/>
+            <a:ext cx="1148987" cy="3042339"/>
+          </a:xfrm>
+          <a:prstGeom prst="rect">
+            <a:avLst/>
+          </a:prstGeom>
+        </p:spPr>
+      </p:pic>
+      <p:sp>
+        <p:nvSpPr>
+          <p:cNvPr id="26" name="Nuvem 25">
+            <a:extLst>
+              <a:ext uri="{FF2B5EF4-FFF2-40B4-BE49-F238E27FC236}">
+                <a16:creationId xmlns:a16="http://schemas.microsoft.com/office/drawing/2014/main" id="{C751A1A6-D523-F469-E408-3BBB21BB366F}"/>
+              </a:ext>
+            </a:extLst>
+          </p:cNvPr>
+          <p:cNvSpPr/>
+          <p:nvPr/>
+        </p:nvSpPr>
+        <p:spPr>
+          <a:xfrm>
+            <a:off x="7560339" y="1399420"/>
+            <a:ext cx="2164096" cy="1411398"/>
+          </a:xfrm>
+          <a:prstGeom prst="cloud">
+            <a:avLst/>
+          </a:prstGeom>
+          <a:solidFill>
+            <a:schemeClr val="bg1"/>
+          </a:solidFill>
+          <a:ln>
+            <a:solidFill>
+              <a:schemeClr val="tx1"/>
+            </a:solidFill>
+          </a:ln>
+        </p:spPr>
+        <p:style>
+          <a:lnRef idx="1">
+            <a:schemeClr val="accent1"/>
+          </a:lnRef>
+          <a:fillRef idx="3">
+            <a:schemeClr val="accent1"/>
+          </a:fillRef>
+          <a:effectRef idx="2">
+            <a:schemeClr val="accent1"/>
+          </a:effectRef>
+          <a:fontRef idx="minor">
+            <a:schemeClr val="lt1"/>
+          </a:fontRef>
+        </p:style>
+        <p:txBody>
+          <a:bodyPr rtlCol="0" anchor="ctr"/>
+          <a:lstStyle/>
+          <a:p>
+            <a:pPr algn="ctr"/>
+            <a:endParaRPr lang="pt-BR"/>
+          </a:p>
+        </p:txBody>
+      </p:sp>
+      <p:sp>
+        <p:nvSpPr>
+          <p:cNvPr id="34" name="Nuvem 33">
+            <a:extLst>
+              <a:ext uri="{FF2B5EF4-FFF2-40B4-BE49-F238E27FC236}">
+                <a16:creationId xmlns:a16="http://schemas.microsoft.com/office/drawing/2014/main" id="{91623055-EE65-A7A1-A470-9ABF892F6201}"/>
+              </a:ext>
+            </a:extLst>
+          </p:cNvPr>
+          <p:cNvSpPr/>
+          <p:nvPr/>
+        </p:nvSpPr>
+        <p:spPr>
+          <a:xfrm rot="21035197" flipH="1">
+            <a:off x="7586861" y="7747944"/>
+            <a:ext cx="2387069" cy="1516268"/>
+          </a:xfrm>
+          <a:prstGeom prst="cloud">
+            <a:avLst/>
+          </a:prstGeom>
+          <a:solidFill>
+            <a:schemeClr val="bg1"/>
+          </a:solidFill>
+          <a:ln>
+            <a:solidFill>
+              <a:schemeClr val="tx1"/>
+            </a:solidFill>
+          </a:ln>
+        </p:spPr>
+        <p:style>
+          <a:lnRef idx="1">
+            <a:schemeClr val="accent1"/>
+          </a:lnRef>
+          <a:fillRef idx="3">
+            <a:schemeClr val="accent1"/>
+          </a:fillRef>
+          <a:effectRef idx="2">
+            <a:schemeClr val="accent1"/>
+          </a:effectRef>
+          <a:fontRef idx="minor">
+            <a:schemeClr val="lt1"/>
+          </a:fontRef>
+        </p:style>
+        <p:txBody>
+          <a:bodyPr rtlCol="0" anchor="ctr"/>
+          <a:lstStyle/>
+          <a:p>
+            <a:pPr algn="ctr"/>
+            <a:endParaRPr lang="pt-BR" sz="3600"/>
+          </a:p>
+        </p:txBody>
+      </p:sp>
+      <p:pic>
+        <p:nvPicPr>
+          <p:cNvPr id="42" name="Imagem 41" descr="Imagem em preto e branco&#10;&#10;O conteúdo gerado por IA pode estar incorreto.">
+            <a:extLst>
+              <a:ext uri="{FF2B5EF4-FFF2-40B4-BE49-F238E27FC236}">
+                <a16:creationId xmlns:a16="http://schemas.microsoft.com/office/drawing/2014/main" id="{0A90C0DD-BE45-F0A5-B869-C79D9EFA34E4}"/>
+              </a:ext>
+            </a:extLst>
+          </p:cNvPr>
+          <p:cNvPicPr>
+            <a:picLocks noChangeAspect="1"/>
+          </p:cNvPicPr>
+          <p:nvPr/>
+        </p:nvPicPr>
+        <p:blipFill>
+          <a:blip r:embed="rId9"/>
+          <a:srcRect t="40783" b="55029"/>
+          <a:stretch/>
+        </p:blipFill>
+        <p:spPr>
+          <a:xfrm>
+            <a:off x="3067050" y="10384883"/>
+            <a:ext cx="3009900" cy="315167"/>
+          </a:xfrm>
+          <a:prstGeom prst="rect">
+            <a:avLst/>
+          </a:prstGeom>
+        </p:spPr>
+      </p:pic>
+      <p:grpSp>
+        <p:nvGrpSpPr>
+          <p:cNvPr id="38" name="Agrupar 37">
+            <a:extLst>
+              <a:ext uri="{FF2B5EF4-FFF2-40B4-BE49-F238E27FC236}">
+                <a16:creationId xmlns:a16="http://schemas.microsoft.com/office/drawing/2014/main" id="{1D812824-EFCA-CC7D-F1FE-DC6B4222578F}"/>
+              </a:ext>
+            </a:extLst>
+          </p:cNvPr>
+          <p:cNvGrpSpPr/>
+          <p:nvPr/>
+        </p:nvGrpSpPr>
+        <p:grpSpPr>
+          <a:xfrm>
+            <a:off x="3086247" y="11203179"/>
+            <a:ext cx="3042340" cy="737619"/>
+            <a:chOff x="3086247" y="11285067"/>
+            <a:chExt cx="3042340" cy="737619"/>
+          </a:xfrm>
+        </p:grpSpPr>
+        <p:sp>
+          <p:nvSpPr>
+            <p:cNvPr id="36" name="CaixaDeTexto 35">
+              <a:extLst>
+                <a:ext uri="{FF2B5EF4-FFF2-40B4-BE49-F238E27FC236}">
+                  <a16:creationId xmlns:a16="http://schemas.microsoft.com/office/drawing/2014/main" id="{30EA72BD-2822-9056-72C4-597E412BA628}"/>
+                </a:ext>
+              </a:extLst>
+            </p:cNvPr>
+            <p:cNvSpPr txBox="1"/>
+            <p:nvPr/>
+          </p:nvSpPr>
+          <p:spPr>
+            <a:xfrm>
+              <a:off x="3086247" y="11285067"/>
+              <a:ext cx="3042340" cy="461665"/>
+            </a:xfrm>
+            <a:prstGeom prst="rect">
+              <a:avLst/>
+            </a:prstGeom>
+            <a:noFill/>
+            <a:effectLst>
+              <a:outerShdw blurRad="50800" dist="38100" dir="5400000" algn="t" rotWithShape="0">
+                <a:prstClr val="black">
+                  <a:alpha val="40000"/>
+                </a:prstClr>
+              </a:outerShdw>
+            </a:effectLst>
+          </p:spPr>
+          <p:txBody>
+            <a:bodyPr wrap="square" rtlCol="0">
+              <a:spAutoFit/>
+            </a:bodyPr>
+            <a:lstStyle/>
+            <a:p>
+              <a:r>
+                <a:rPr lang="pt-BR" sz="2400" dirty="0">
+                  <a:solidFill>
+                    <a:schemeClr val="bg1"/>
+                  </a:solidFill>
+                  <a:effectLst>
+                    <a:outerShdw blurRad="38100" dist="38100" dir="2700000" algn="tl">
+                      <a:srgbClr val="000000">
+                        <a:alpha val="43137"/>
+                      </a:srgbClr>
+                    </a:outerShdw>
+                  </a:effectLst>
+                  <a:latin typeface="Aharoni" panose="02010803020104030203" pitchFamily="2" charset="-79"/>
+                  <a:cs typeface="Aharoni" panose="02010803020104030203" pitchFamily="2" charset="-79"/>
+                </a:rPr>
+                <a:t>UM MUNDO NOVO</a:t>
+              </a:r>
+            </a:p>
+          </p:txBody>
+        </p:sp>
+        <p:sp>
+          <p:nvSpPr>
+            <p:cNvPr id="37" name="CaixaDeTexto 36">
+              <a:extLst>
+                <a:ext uri="{FF2B5EF4-FFF2-40B4-BE49-F238E27FC236}">
+                  <a16:creationId xmlns:a16="http://schemas.microsoft.com/office/drawing/2014/main" id="{492BD585-817A-E286-D26E-B3BCF344025F}"/>
+                </a:ext>
+              </a:extLst>
+            </p:cNvPr>
+            <p:cNvSpPr txBox="1"/>
+            <p:nvPr/>
+          </p:nvSpPr>
+          <p:spPr>
+            <a:xfrm>
+              <a:off x="3221490" y="11653354"/>
+              <a:ext cx="2771855" cy="369332"/>
+            </a:xfrm>
+            <a:prstGeom prst="rect">
+              <a:avLst/>
+            </a:prstGeom>
+            <a:noFill/>
+            <a:effectLst>
+              <a:outerShdw blurRad="50800" dist="38100" dir="5400000" algn="t" rotWithShape="0">
+                <a:prstClr val="black">
+                  <a:alpha val="40000"/>
+                </a:prstClr>
+              </a:outerShdw>
+            </a:effectLst>
+          </p:spPr>
+          <p:txBody>
+            <a:bodyPr wrap="square" rtlCol="0">
+              <a:spAutoFit/>
+            </a:bodyPr>
+            <a:lstStyle/>
+            <a:p>
+              <a:r>
+                <a:rPr lang="pt-BR" dirty="0">
+                  <a:solidFill>
+                    <a:schemeClr val="bg1"/>
+                  </a:solidFill>
+                  <a:effectLst>
+                    <a:outerShdw blurRad="38100" dist="38100" dir="2700000" algn="tl">
+                      <a:srgbClr val="000000">
+                        <a:alpha val="43137"/>
+                      </a:srgbClr>
+                    </a:outerShdw>
+                  </a:effectLst>
+                  <a:latin typeface="Aharoni" panose="02010803020104030203" pitchFamily="2" charset="-79"/>
+                  <a:cs typeface="Aharoni" panose="02010803020104030203" pitchFamily="2" charset="-79"/>
+                </a:rPr>
+                <a:t>A CADA LIVRO ABERTO</a:t>
+              </a:r>
+            </a:p>
+          </p:txBody>
+        </p:sp>
+      </p:grpSp>
     </p:spTree>
   </p:cSld>
   <p:clrMapOvr>
